--- a/inst/extdata/diagnostics.pptx
+++ b/inst/extdata/diagnostics.pptx
@@ -3180,7 +3180,7 @@
             </a:pPr>
             <a:r>
               <a:rPr/>
-              <a:t>30 June, 2022</a:t>
+              <a:t>01 July, 2022</a:t>
             </a:r>
           </a:p>
         </p:txBody>

--- a/inst/extdata/diagnostics.pptx
+++ b/inst/extdata/diagnostics.pptx
@@ -3123,7 +3123,7 @@
             </a:pPr>
             <a:r>
               <a:rPr/>
-              <a:t>Xanelomine Model Diagnostic Plots</a:t>
+              <a:t>Xanomeline Model Diagnostic Plots</a:t>
             </a:r>
           </a:p>
         </p:txBody>
@@ -3180,7 +3180,7 @@
             </a:pPr>
             <a:r>
               <a:rPr/>
-              <a:t>01 July, 2022</a:t>
+              <a:t>05 July, 2022</a:t>
             </a:r>
           </a:p>
         </p:txBody>
